--- a/Poster/Poster.pptx
+++ b/Poster/Poster.pptx
@@ -133,6 +133,10 @@
 </p:cmAuthorLst>
 </file>
 
+<file path=ppt/revisionInfo.xml><?xml version="1.0" encoding="utf-8"?>
+<p1510:revInfo xmlns:a="http://schemas.openxmlformats.org/drawingml/2006/main" xmlns:r="http://schemas.openxmlformats.org/officeDocument/2006/relationships" xmlns:p1510="http://schemas.microsoft.com/office/powerpoint/2015/10/main"/>
+</file>
+
 <file path=ppt/notesMasters/notesMaster1.xml><?xml version="1.0" encoding="utf-8"?>
 <p:notesMaster xmlns:a="http://schemas.openxmlformats.org/drawingml/2006/main" xmlns:r="http://schemas.openxmlformats.org/officeDocument/2006/relationships" xmlns:p="http://schemas.openxmlformats.org/presentationml/2006/main">
   <p:cSld>
@@ -216,7 +220,7 @@
             <a:fld id="{B10DFA1A-A6DC-49FE-AC90-AF8DDE39D246}" type="datetimeFigureOut">
               <a:rPr lang="en-IE" smtClean="0"/>
               <a:pPr/>
-              <a:t>23/04/2018</a:t>
+              <a:t>25/04/2018</a:t>
             </a:fld>
             <a:endParaRPr lang="en-IE" dirty="0"/>
           </a:p>
@@ -761,7 +765,7 @@
             <a:fld id="{B0453847-E237-403E-9063-D190CF7239DC}" type="datetimeFigureOut">
               <a:rPr lang="en-IE" smtClean="0"/>
               <a:pPr/>
-              <a:t>23/04/2018</a:t>
+              <a:t>25/04/2018</a:t>
             </a:fld>
             <a:endParaRPr lang="en-IE" dirty="0"/>
           </a:p>
@@ -928,7 +932,7 @@
             <a:fld id="{B0453847-E237-403E-9063-D190CF7239DC}" type="datetimeFigureOut">
               <a:rPr lang="en-IE" smtClean="0"/>
               <a:pPr/>
-              <a:t>23/04/2018</a:t>
+              <a:t>25/04/2018</a:t>
             </a:fld>
             <a:endParaRPr lang="en-IE" dirty="0"/>
           </a:p>
@@ -1105,7 +1109,7 @@
             <a:fld id="{B0453847-E237-403E-9063-D190CF7239DC}" type="datetimeFigureOut">
               <a:rPr lang="en-IE" smtClean="0"/>
               <a:pPr/>
-              <a:t>23/04/2018</a:t>
+              <a:t>25/04/2018</a:t>
             </a:fld>
             <a:endParaRPr lang="en-IE" dirty="0"/>
           </a:p>
@@ -1272,7 +1276,7 @@
             <a:fld id="{B0453847-E237-403E-9063-D190CF7239DC}" type="datetimeFigureOut">
               <a:rPr lang="en-IE" smtClean="0"/>
               <a:pPr/>
-              <a:t>23/04/2018</a:t>
+              <a:t>25/04/2018</a:t>
             </a:fld>
             <a:endParaRPr lang="en-IE" dirty="0"/>
           </a:p>
@@ -1515,7 +1519,7 @@
             <a:fld id="{B0453847-E237-403E-9063-D190CF7239DC}" type="datetimeFigureOut">
               <a:rPr lang="en-IE" smtClean="0"/>
               <a:pPr/>
-              <a:t>23/04/2018</a:t>
+              <a:t>25/04/2018</a:t>
             </a:fld>
             <a:endParaRPr lang="en-IE" dirty="0"/>
           </a:p>
@@ -1800,7 +1804,7 @@
             <a:fld id="{B0453847-E237-403E-9063-D190CF7239DC}" type="datetimeFigureOut">
               <a:rPr lang="en-IE" smtClean="0"/>
               <a:pPr/>
-              <a:t>23/04/2018</a:t>
+              <a:t>25/04/2018</a:t>
             </a:fld>
             <a:endParaRPr lang="en-IE" dirty="0"/>
           </a:p>
@@ -2219,7 +2223,7 @@
             <a:fld id="{B0453847-E237-403E-9063-D190CF7239DC}" type="datetimeFigureOut">
               <a:rPr lang="en-IE" smtClean="0"/>
               <a:pPr/>
-              <a:t>23/04/2018</a:t>
+              <a:t>25/04/2018</a:t>
             </a:fld>
             <a:endParaRPr lang="en-IE" dirty="0"/>
           </a:p>
@@ -2334,7 +2338,7 @@
             <a:fld id="{B0453847-E237-403E-9063-D190CF7239DC}" type="datetimeFigureOut">
               <a:rPr lang="en-IE" smtClean="0"/>
               <a:pPr/>
-              <a:t>23/04/2018</a:t>
+              <a:t>25/04/2018</a:t>
             </a:fld>
             <a:endParaRPr lang="en-IE" dirty="0"/>
           </a:p>
@@ -2426,7 +2430,7 @@
             <a:fld id="{B0453847-E237-403E-9063-D190CF7239DC}" type="datetimeFigureOut">
               <a:rPr lang="en-IE" smtClean="0"/>
               <a:pPr/>
-              <a:t>23/04/2018</a:t>
+              <a:t>25/04/2018</a:t>
             </a:fld>
             <a:endParaRPr lang="en-IE" dirty="0"/>
           </a:p>
@@ -2700,7 +2704,7 @@
             <a:fld id="{B0453847-E237-403E-9063-D190CF7239DC}" type="datetimeFigureOut">
               <a:rPr lang="en-IE" smtClean="0"/>
               <a:pPr/>
-              <a:t>23/04/2018</a:t>
+              <a:t>25/04/2018</a:t>
             </a:fld>
             <a:endParaRPr lang="en-IE" dirty="0"/>
           </a:p>
@@ -2950,7 +2954,7 @@
             <a:fld id="{B0453847-E237-403E-9063-D190CF7239DC}" type="datetimeFigureOut">
               <a:rPr lang="en-IE" smtClean="0"/>
               <a:pPr/>
-              <a:t>23/04/2018</a:t>
+              <a:t>25/04/2018</a:t>
             </a:fld>
             <a:endParaRPr lang="en-IE" dirty="0"/>
           </a:p>
@@ -3160,7 +3164,7 @@
             <a:fld id="{B0453847-E237-403E-9063-D190CF7239DC}" type="datetimeFigureOut">
               <a:rPr lang="en-IE" smtClean="0"/>
               <a:pPr/>
-              <a:t>23/04/2018</a:t>
+              <a:t>25/04/2018</a:t>
             </a:fld>
             <a:endParaRPr lang="en-IE" dirty="0"/>
           </a:p>
@@ -5102,7 +5106,7 @@
         <p:spPr>
           <a:xfrm>
             <a:off x="1167932" y="15008337"/>
-            <a:ext cx="8876379" cy="5262979"/>
+            <a:ext cx="8876379" cy="4335033"/>
           </a:xfrm>
           <a:prstGeom prst="rect">
             <a:avLst/>
@@ -5117,7 +5121,7 @@
           <a:p>
             <a:pPr algn="just"/>
             <a:r>
-              <a:rPr lang="en-US" sz="2400" b="0" cap="none" spc="0" dirty="0">
+              <a:rPr lang="en-US" sz="2130" b="0" cap="none" spc="0" dirty="0">
                 <a:ln w="0"/>
                 <a:solidFill>
                   <a:schemeClr val="tx1"/>
@@ -5126,14 +5130,14 @@
               <a:t>After registering with a new account a user can add a house to the system. Each house can have any number of rooms. After an Arduino has been set up in each room with the sensors needed, the mobile application scans the house for any new Arduinos. When the Arduino is found the user can assign a randomly generated bucket that corresponds to the room in the database.  </a:t>
             </a:r>
             <a:r>
-              <a:rPr lang="en-US" sz="2400" dirty="0">
+              <a:rPr lang="en-US" sz="2130" dirty="0">
                 <a:ln w="0"/>
               </a:rPr>
               <a:t>All Access to the database must go through the Tomcat Server.</a:t>
             </a:r>
           </a:p>
           <a:p>
-            <a:endParaRPr lang="en-US" sz="2400" b="0" cap="none" spc="0" dirty="0">
+            <a:endParaRPr lang="en-US" sz="2130" b="0" cap="none" spc="0" dirty="0">
               <a:ln w="0"/>
               <a:solidFill>
                 <a:schemeClr val="tx1"/>
@@ -5141,7 +5145,7 @@
             </a:endParaRPr>
           </a:p>
           <a:p>
-            <a:endParaRPr lang="en-US" sz="2400" b="0" cap="none" spc="0" dirty="0">
+            <a:endParaRPr lang="en-US" sz="2130" b="0" cap="none" spc="0" dirty="0">
               <a:ln w="0"/>
               <a:solidFill>
                 <a:schemeClr val="tx1"/>
@@ -5150,7 +5154,7 @@
           </a:p>
           <a:p>
             <a:r>
-              <a:rPr lang="en-US" sz="2400" b="0" cap="none" spc="0" dirty="0">
+              <a:rPr lang="en-US" sz="2130" b="0" cap="none" spc="0" dirty="0">
                 <a:ln w="0"/>
                 <a:solidFill>
                   <a:schemeClr val="tx1"/>
@@ -5165,7 +5169,7 @@
               <a:buChar char="•"/>
             </a:pPr>
             <a:r>
-              <a:rPr lang="en-US" sz="2400" b="0" cap="none" spc="0" dirty="0">
+              <a:rPr lang="en-US" sz="2100" b="0" cap="none" spc="0" dirty="0">
                 <a:ln w="0"/>
                 <a:solidFill>
                   <a:schemeClr val="tx1"/>
@@ -5180,7 +5184,7 @@
               <a:buChar char="•"/>
             </a:pPr>
             <a:r>
-              <a:rPr lang="en-US" sz="2400" b="0" cap="none" spc="0" dirty="0">
+              <a:rPr lang="en-US" sz="2100" b="0" cap="none" spc="0" dirty="0">
                 <a:ln w="0"/>
                 <a:solidFill>
                   <a:schemeClr val="tx1"/>
@@ -5195,7 +5199,7 @@
               <a:buChar char="•"/>
             </a:pPr>
             <a:r>
-              <a:rPr lang="en-US" sz="2400" dirty="0">
+              <a:rPr lang="en-US" sz="2100" dirty="0">
                 <a:ln w="0"/>
               </a:rPr>
               <a:t>Server saves readings to PostgreSQL database</a:t>
@@ -5207,7 +5211,7 @@
               <a:buChar char="•"/>
             </a:pPr>
             <a:r>
-              <a:rPr lang="en-US" sz="2400" b="0" cap="none" spc="0" dirty="0">
+              <a:rPr lang="en-US" sz="2100" b="0" cap="none" spc="0" dirty="0">
                 <a:ln w="0"/>
                 <a:solidFill>
                   <a:schemeClr val="tx1"/>
@@ -5216,12 +5220,18 @@
               <a:t>Mobile</a:t>
             </a:r>
             <a:r>
-              <a:rPr lang="en-US" sz="2400" dirty="0">
+              <a:rPr lang="en-US" sz="2100" dirty="0">
                 <a:ln w="0"/>
               </a:rPr>
-              <a:t> Application and Website can view interactive graphs</a:t>
-            </a:r>
-            <a:endParaRPr lang="en-US" sz="2400" b="0" cap="none" spc="0" dirty="0">
+              <a:t> Application and Website can view </a:t>
+            </a:r>
+            <a:r>
+              <a:rPr lang="en-US" sz="2100">
+                <a:ln w="0"/>
+              </a:rPr>
+              <a:t>interactive graphs</a:t>
+            </a:r>
+            <a:endParaRPr lang="en-US" sz="2100" b="0" cap="none" spc="0" dirty="0">
               <a:ln w="0"/>
               <a:solidFill>
                 <a:schemeClr val="tx1"/>
@@ -5507,7 +5517,7 @@
         <p:spPr>
           <a:xfrm>
             <a:off x="11036544" y="15039203"/>
-            <a:ext cx="8109121" cy="4345164"/>
+            <a:ext cx="8109121" cy="5636928"/>
           </a:xfrm>
           <a:prstGeom prst="rect">
             <a:avLst/>
@@ -5522,17 +5532,11 @@
           <a:p>
             <a:pPr algn="just"/>
             <a:r>
-              <a:rPr lang="en-IE" sz="2126" dirty="0">
+              <a:rPr lang="en-IE" sz="2130" dirty="0">
                 <a:cs typeface="Times New Roman" pitchFamily="18" charset="0"/>
               </a:rPr>
               <a:t>As the proposed system is monitoring a home, security is a very serious concern. The following precautions were taken in the system.</a:t>
             </a:r>
-          </a:p>
-          <a:p>
-            <a:pPr algn="just"/>
-            <a:endParaRPr lang="en-IE" sz="2126" dirty="0">
-              <a:cs typeface="Times New Roman" pitchFamily="18" charset="0"/>
-            </a:endParaRPr>
           </a:p>
           <a:p>
             <a:pPr marL="342900" indent="-342900">
@@ -5540,18 +5544,18 @@
               <a:buChar char="•"/>
             </a:pPr>
             <a:r>
-              <a:rPr lang="en-IE" sz="2126" dirty="0">
+              <a:rPr lang="en-IE" sz="2100" dirty="0">
                 <a:cs typeface="Times New Roman" pitchFamily="18" charset="0"/>
               </a:rPr>
               <a:t>Stored passwords encrypted using </a:t>
             </a:r>
             <a:r>
-              <a:rPr lang="en-IE" sz="2126" dirty="0" err="1">
+              <a:rPr lang="en-IE" sz="2100" dirty="0" err="1">
                 <a:cs typeface="Times New Roman" pitchFamily="18" charset="0"/>
               </a:rPr>
               <a:t>jBCrypt</a:t>
             </a:r>
-            <a:endParaRPr lang="en-IE" sz="2126" dirty="0">
+            <a:endParaRPr lang="en-IE" sz="2100" dirty="0">
               <a:cs typeface="Times New Roman" pitchFamily="18" charset="0"/>
             </a:endParaRPr>
           </a:p>
@@ -5561,7 +5565,7 @@
               <a:buChar char="•"/>
             </a:pPr>
             <a:r>
-              <a:rPr lang="en-IE" sz="2126" dirty="0">
+              <a:rPr lang="en-IE" sz="2100" dirty="0">
                 <a:cs typeface="Times New Roman" pitchFamily="18" charset="0"/>
               </a:rPr>
               <a:t>Token generation to stop cross site request forgery</a:t>
@@ -5573,7 +5577,7 @@
               <a:buChar char="•"/>
             </a:pPr>
             <a:r>
-              <a:rPr lang="en-IE" sz="2126" dirty="0">
+              <a:rPr lang="en-IE" sz="2100" dirty="0">
                 <a:cs typeface="Times New Roman" pitchFamily="18" charset="0"/>
               </a:rPr>
               <a:t>All input prepared for entry into database to protect against injection</a:t>
@@ -5585,7 +5589,7 @@
               <a:buChar char="•"/>
             </a:pPr>
             <a:r>
-              <a:rPr lang="en-IE" sz="2126" dirty="0">
+              <a:rPr lang="en-IE" sz="2100" dirty="0">
                 <a:cs typeface="Times New Roman" pitchFamily="18" charset="0"/>
               </a:rPr>
               <a:t>All text output escaped for HTML to stop cross site scripting</a:t>
@@ -5597,7 +5601,7 @@
               <a:buChar char="•"/>
             </a:pPr>
             <a:r>
-              <a:rPr lang="en-IE" sz="2126" dirty="0">
+              <a:rPr lang="en-IE" sz="2100" dirty="0">
                 <a:cs typeface="Times New Roman" pitchFamily="18" charset="0"/>
               </a:rPr>
               <a:t>New Arduino token generated each upload</a:t>
@@ -5608,17 +5612,44 @@
               <a:buFont typeface="Arial" panose="020B0604020202020204" pitchFamily="34" charset="0"/>
               <a:buChar char="•"/>
             </a:pPr>
-            <a:endParaRPr lang="en-IE" sz="2126" dirty="0">
+            <a:r>
+              <a:rPr lang="en-IE" sz="2100" dirty="0">
+                <a:cs typeface="Times New Roman" pitchFamily="18" charset="0"/>
+              </a:rPr>
+              <a:t>Login attempts limited to 5 times for each account</a:t>
+            </a:r>
+          </a:p>
+          <a:p>
+            <a:pPr marL="342900" indent="-342900">
+              <a:buFont typeface="Arial" panose="020B0604020202020204" pitchFamily="34" charset="0"/>
+              <a:buChar char="•"/>
+            </a:pPr>
+            <a:endParaRPr lang="en-IE" sz="2130" dirty="0">
               <a:cs typeface="Times New Roman" pitchFamily="18" charset="0"/>
             </a:endParaRPr>
           </a:p>
           <a:p>
             <a:pPr algn="just"/>
             <a:r>
-              <a:rPr lang="en-IE" sz="2126" dirty="0">
+              <a:rPr lang="en-IE" sz="2130" dirty="0">
                 <a:cs typeface="Times New Roman" pitchFamily="18" charset="0"/>
               </a:rPr>
-              <a:t>One of the biggest issues with security is the users own account. To help with this I implemented 2 factor authentication. The mobile application will be sent a new code each time the user tries to log in. This code must be entered on the website to grant the user access to the system.</a:t>
+              <a:t>One of the biggest issues with security is the users own account. To help with this I implemented two factor authentication. The mobile application will be sent a new code each time the user tries to log in. This code must be entered on the website to grant the user access to the system.</a:t>
+            </a:r>
+          </a:p>
+          <a:p>
+            <a:pPr algn="just"/>
+            <a:endParaRPr lang="en-IE" sz="2130" dirty="0">
+              <a:cs typeface="Times New Roman" pitchFamily="18" charset="0"/>
+            </a:endParaRPr>
+          </a:p>
+          <a:p>
+            <a:pPr algn="just"/>
+            <a:r>
+              <a:rPr lang="en-IE" sz="2130" dirty="0">
+                <a:cs typeface="Times New Roman" pitchFamily="18" charset="0"/>
+              </a:rPr>
+              <a:t>Two factor authentication is limited to 5 tries, the same as the login attempts.</a:t>
             </a:r>
           </a:p>
         </p:txBody>

--- a/Poster/Poster.pptx
+++ b/Poster/Poster.pptx
@@ -220,7 +220,7 @@
             <a:fld id="{B10DFA1A-A6DC-49FE-AC90-AF8DDE39D246}" type="datetimeFigureOut">
               <a:rPr lang="en-IE" smtClean="0"/>
               <a:pPr/>
-              <a:t>25/04/2018</a:t>
+              <a:t>27/04/2018</a:t>
             </a:fld>
             <a:endParaRPr lang="en-IE" dirty="0"/>
           </a:p>
@@ -765,7 +765,7 @@
             <a:fld id="{B0453847-E237-403E-9063-D190CF7239DC}" type="datetimeFigureOut">
               <a:rPr lang="en-IE" smtClean="0"/>
               <a:pPr/>
-              <a:t>25/04/2018</a:t>
+              <a:t>27/04/2018</a:t>
             </a:fld>
             <a:endParaRPr lang="en-IE" dirty="0"/>
           </a:p>
@@ -932,7 +932,7 @@
             <a:fld id="{B0453847-E237-403E-9063-D190CF7239DC}" type="datetimeFigureOut">
               <a:rPr lang="en-IE" smtClean="0"/>
               <a:pPr/>
-              <a:t>25/04/2018</a:t>
+              <a:t>27/04/2018</a:t>
             </a:fld>
             <a:endParaRPr lang="en-IE" dirty="0"/>
           </a:p>
@@ -1109,7 +1109,7 @@
             <a:fld id="{B0453847-E237-403E-9063-D190CF7239DC}" type="datetimeFigureOut">
               <a:rPr lang="en-IE" smtClean="0"/>
               <a:pPr/>
-              <a:t>25/04/2018</a:t>
+              <a:t>27/04/2018</a:t>
             </a:fld>
             <a:endParaRPr lang="en-IE" dirty="0"/>
           </a:p>
@@ -1276,7 +1276,7 @@
             <a:fld id="{B0453847-E237-403E-9063-D190CF7239DC}" type="datetimeFigureOut">
               <a:rPr lang="en-IE" smtClean="0"/>
               <a:pPr/>
-              <a:t>25/04/2018</a:t>
+              <a:t>27/04/2018</a:t>
             </a:fld>
             <a:endParaRPr lang="en-IE" dirty="0"/>
           </a:p>
@@ -1519,7 +1519,7 @@
             <a:fld id="{B0453847-E237-403E-9063-D190CF7239DC}" type="datetimeFigureOut">
               <a:rPr lang="en-IE" smtClean="0"/>
               <a:pPr/>
-              <a:t>25/04/2018</a:t>
+              <a:t>27/04/2018</a:t>
             </a:fld>
             <a:endParaRPr lang="en-IE" dirty="0"/>
           </a:p>
@@ -1804,7 +1804,7 @@
             <a:fld id="{B0453847-E237-403E-9063-D190CF7239DC}" type="datetimeFigureOut">
               <a:rPr lang="en-IE" smtClean="0"/>
               <a:pPr/>
-              <a:t>25/04/2018</a:t>
+              <a:t>27/04/2018</a:t>
             </a:fld>
             <a:endParaRPr lang="en-IE" dirty="0"/>
           </a:p>
@@ -2223,7 +2223,7 @@
             <a:fld id="{B0453847-E237-403E-9063-D190CF7239DC}" type="datetimeFigureOut">
               <a:rPr lang="en-IE" smtClean="0"/>
               <a:pPr/>
-              <a:t>25/04/2018</a:t>
+              <a:t>27/04/2018</a:t>
             </a:fld>
             <a:endParaRPr lang="en-IE" dirty="0"/>
           </a:p>
@@ -2338,7 +2338,7 @@
             <a:fld id="{B0453847-E237-403E-9063-D190CF7239DC}" type="datetimeFigureOut">
               <a:rPr lang="en-IE" smtClean="0"/>
               <a:pPr/>
-              <a:t>25/04/2018</a:t>
+              <a:t>27/04/2018</a:t>
             </a:fld>
             <a:endParaRPr lang="en-IE" dirty="0"/>
           </a:p>
@@ -2430,7 +2430,7 @@
             <a:fld id="{B0453847-E237-403E-9063-D190CF7239DC}" type="datetimeFigureOut">
               <a:rPr lang="en-IE" smtClean="0"/>
               <a:pPr/>
-              <a:t>25/04/2018</a:t>
+              <a:t>27/04/2018</a:t>
             </a:fld>
             <a:endParaRPr lang="en-IE" dirty="0"/>
           </a:p>
@@ -2704,7 +2704,7 @@
             <a:fld id="{B0453847-E237-403E-9063-D190CF7239DC}" type="datetimeFigureOut">
               <a:rPr lang="en-IE" smtClean="0"/>
               <a:pPr/>
-              <a:t>25/04/2018</a:t>
+              <a:t>27/04/2018</a:t>
             </a:fld>
             <a:endParaRPr lang="en-IE" dirty="0"/>
           </a:p>
@@ -2954,7 +2954,7 @@
             <a:fld id="{B0453847-E237-403E-9063-D190CF7239DC}" type="datetimeFigureOut">
               <a:rPr lang="en-IE" smtClean="0"/>
               <a:pPr/>
-              <a:t>25/04/2018</a:t>
+              <a:t>27/04/2018</a:t>
             </a:fld>
             <a:endParaRPr lang="en-IE" dirty="0"/>
           </a:p>
@@ -3164,7 +3164,7 @@
             <a:fld id="{B0453847-E237-403E-9063-D190CF7239DC}" type="datetimeFigureOut">
               <a:rPr lang="en-IE" smtClean="0"/>
               <a:pPr/>
-              <a:t>25/04/2018</a:t>
+              <a:t>27/04/2018</a:t>
             </a:fld>
             <a:endParaRPr lang="en-IE" dirty="0"/>
           </a:p>
@@ -3543,8 +3543,8 @@
         </p:nvSpPr>
         <p:spPr>
           <a:xfrm>
-            <a:off x="868018" y="8078129"/>
-            <a:ext cx="9540000" cy="12960000"/>
+            <a:off x="944760" y="8078129"/>
+            <a:ext cx="9463257" cy="14210804"/>
           </a:xfrm>
           <a:prstGeom prst="rect">
             <a:avLst/>
@@ -3887,7 +3887,7 @@
         <p:spPr>
           <a:xfrm>
             <a:off x="10677212" y="8078129"/>
-            <a:ext cx="9540000" cy="12960000"/>
+            <a:ext cx="9549452" cy="14210804"/>
           </a:xfrm>
           <a:prstGeom prst="rect">
             <a:avLst/>
@@ -4013,10 +4013,10 @@
         </p:nvGrpSpPr>
         <p:grpSpPr>
           <a:xfrm>
-            <a:off x="11420995" y="27392423"/>
-            <a:ext cx="9136484" cy="2650831"/>
-            <a:chOff x="18267527" y="39749445"/>
-            <a:chExt cx="10009115" cy="4164241"/>
+            <a:off x="991157" y="28257125"/>
+            <a:ext cx="19235507" cy="1692364"/>
+            <a:chOff x="18267527" y="39129470"/>
+            <a:chExt cx="10009115" cy="3776520"/>
           </a:xfrm>
         </p:grpSpPr>
         <p:sp>
@@ -4027,7 +4027,7 @@
           </p:nvSpPr>
           <p:spPr>
             <a:xfrm>
-              <a:off x="18279469" y="39749445"/>
+              <a:off x="18444541" y="39129470"/>
               <a:ext cx="6696749" cy="1015333"/>
             </a:xfrm>
             <a:prstGeom prst="rect">
@@ -4066,8 +4066,8 @@
           </p:nvSpPr>
           <p:spPr>
             <a:xfrm>
-              <a:off x="18267527" y="40674289"/>
-              <a:ext cx="10009115" cy="3239397"/>
+              <a:off x="18267527" y="40674290"/>
+              <a:ext cx="10009115" cy="2231700"/>
             </a:xfrm>
             <a:prstGeom prst="rect">
               <a:avLst/>
@@ -4082,19 +4082,19 @@
             <a:p>
               <a:pPr algn="just"/>
               <a:r>
-                <a:rPr lang="en-IE" sz="3200" dirty="0">
+                <a:rPr lang="en-IE" sz="2800" dirty="0">
                   <a:cs typeface="Times New Roman" pitchFamily="18" charset="0"/>
                 </a:rPr>
                 <a:t>I would like to thank Ignacio </a:t>
               </a:r>
               <a:r>
-                <a:rPr lang="en-IE" sz="3200" dirty="0" err="1">
+                <a:rPr lang="en-IE" sz="2800" dirty="0" err="1">
                   <a:cs typeface="Times New Roman" pitchFamily="18" charset="0"/>
                 </a:rPr>
                 <a:t>Castineiras</a:t>
               </a:r>
               <a:r>
-                <a:rPr lang="en-IE" sz="3200" dirty="0">
+                <a:rPr lang="en-IE" sz="2800" dirty="0">
                   <a:cs typeface="Times New Roman" pitchFamily="18" charset="0"/>
                 </a:rPr>
                 <a:t> and Diarmuid Grimes for all the help and guidance they provided me throughout the project, and of course my own genius for being a genius.</a:t>
@@ -4111,10 +4111,10 @@
         </p:nvGrpSpPr>
         <p:grpSpPr>
           <a:xfrm>
-            <a:off x="814151" y="25305513"/>
-            <a:ext cx="19496746" cy="1883700"/>
-            <a:chOff x="1228093" y="37264286"/>
-            <a:chExt cx="29409787" cy="2567137"/>
+            <a:off x="944761" y="26374250"/>
+            <a:ext cx="19281903" cy="1571521"/>
+            <a:chOff x="1228093" y="37264295"/>
+            <a:chExt cx="29424209" cy="2567138"/>
           </a:xfrm>
           <a:solidFill>
             <a:srgbClr val="00438B"/>
@@ -4128,8 +4128,8 @@
           </p:nvSpPr>
           <p:spPr>
             <a:xfrm>
-              <a:off x="1228093" y="37264286"/>
-              <a:ext cx="29409787" cy="2567137"/>
+              <a:off x="1228093" y="37264295"/>
+              <a:ext cx="29409787" cy="2567138"/>
             </a:xfrm>
             <a:prstGeom prst="rect">
               <a:avLst/>
@@ -4172,8 +4172,8 @@
           </p:nvSpPr>
           <p:spPr>
             <a:xfrm>
-              <a:off x="2008249" y="38175077"/>
-              <a:ext cx="27828228" cy="1300273"/>
+              <a:off x="1298893" y="38175077"/>
+              <a:ext cx="29353409" cy="1558569"/>
             </a:xfrm>
             <a:prstGeom prst="rect">
               <a:avLst/>
@@ -4215,8 +4215,8 @@
           </p:nvSpPr>
           <p:spPr>
             <a:xfrm>
-              <a:off x="1942694" y="37329345"/>
-              <a:ext cx="9212186" cy="880830"/>
+              <a:off x="1607782" y="37425252"/>
+              <a:ext cx="9212186" cy="880829"/>
             </a:xfrm>
             <a:prstGeom prst="rect">
               <a:avLst/>
@@ -4279,119 +4279,6 @@
           </p:txBody>
         </p:sp>
       </p:grpSp>
-      <p:sp>
-        <p:nvSpPr>
-          <p:cNvPr id="71" name="RefList"/>
-          <p:cNvSpPr txBox="1"/>
-          <p:nvPr/>
-        </p:nvSpPr>
-        <p:spPr>
-          <a:xfrm>
-            <a:off x="747400" y="28045720"/>
-            <a:ext cx="10024679" cy="2163669"/>
-          </a:xfrm>
-          <a:prstGeom prst="rect">
-            <a:avLst/>
-          </a:prstGeom>
-          <a:noFill/>
-        </p:spPr>
-        <p:txBody>
-          <a:bodyPr wrap="square" rtlCol="0">
-            <a:spAutoFit/>
-          </a:bodyPr>
-          <a:lstStyle/>
-          <a:p>
-            <a:pPr marL="302778" indent="-302778">
-              <a:buAutoNum type="arabicPeriod"/>
-            </a:pPr>
-            <a:r>
-              <a:rPr lang="en-IE" sz="2400" dirty="0"/>
-              <a:t>Murphy, A.,  O’ Sullivan, P., “Title of Paper!, </a:t>
-            </a:r>
-            <a:r>
-              <a:rPr lang="en-IE" sz="2400" i="1" dirty="0"/>
-              <a:t>Conference Title, Date</a:t>
-            </a:r>
-            <a:r>
-              <a:rPr lang="en-IE" sz="2400" dirty="0"/>
-              <a:t>. </a:t>
-            </a:r>
-          </a:p>
-          <a:p>
-            <a:pPr marL="302778" indent="-302778">
-              <a:buAutoNum type="arabicPeriod"/>
-            </a:pPr>
-            <a:r>
-              <a:rPr lang="en-IE" sz="2400" dirty="0"/>
-              <a:t>Etc. </a:t>
-            </a:r>
-          </a:p>
-          <a:p>
-            <a:pPr marL="302778" indent="-302778">
-              <a:buAutoNum type="arabicPeriod"/>
-            </a:pPr>
-            <a:r>
-              <a:rPr lang="en-IE" sz="2400" dirty="0"/>
-              <a:t>Etc. </a:t>
-            </a:r>
-          </a:p>
-          <a:p>
-            <a:pPr marL="302778" indent="-302778">
-              <a:buAutoNum type="arabicPeriod"/>
-            </a:pPr>
-            <a:r>
-              <a:rPr lang="en-IE" sz="2400" dirty="0"/>
-              <a:t>Etc.</a:t>
-            </a:r>
-          </a:p>
-          <a:p>
-            <a:pPr marL="302778" indent="-302778">
-              <a:buAutoNum type="arabicPeriod"/>
-            </a:pPr>
-            <a:r>
-              <a:rPr lang="en-IE" sz="2400" dirty="0"/>
-              <a:t>Etc. </a:t>
-            </a:r>
-          </a:p>
-          <a:p>
-            <a:pPr marL="175570" indent="-175570"/>
-            <a:endParaRPr lang="en-IE" sz="1460" dirty="0"/>
-          </a:p>
-        </p:txBody>
-      </p:sp>
-      <p:sp>
-        <p:nvSpPr>
-          <p:cNvPr id="72" name="Refer"/>
-          <p:cNvSpPr txBox="1"/>
-          <p:nvPr/>
-        </p:nvSpPr>
-        <p:spPr>
-          <a:xfrm>
-            <a:off x="977597" y="27332379"/>
-            <a:ext cx="3627977" cy="646331"/>
-          </a:xfrm>
-          <a:prstGeom prst="rect">
-            <a:avLst/>
-          </a:prstGeom>
-          <a:noFill/>
-        </p:spPr>
-        <p:txBody>
-          <a:bodyPr wrap="square" rtlCol="0">
-            <a:spAutoFit/>
-          </a:bodyPr>
-          <a:lstStyle/>
-          <a:p>
-            <a:r>
-              <a:rPr lang="en-IE" sz="3600" b="1" dirty="0">
-                <a:solidFill>
-                  <a:srgbClr val="D31245"/>
-                </a:solidFill>
-              </a:rPr>
-              <a:t>References</a:t>
-            </a:r>
-          </a:p>
-        </p:txBody>
-      </p:sp>
       <p:sp>
         <p:nvSpPr>
           <p:cNvPr id="59" name="OverviewTitle"/>
@@ -5105,8 +4992,8 @@
         </p:nvSpPr>
         <p:spPr>
           <a:xfrm>
-            <a:off x="1167932" y="15008337"/>
-            <a:ext cx="8876379" cy="4335033"/>
+            <a:off x="1167932" y="14457528"/>
+            <a:ext cx="8876379" cy="1712777"/>
           </a:xfrm>
           <a:prstGeom prst="rect">
             <a:avLst/>
@@ -5119,7 +5006,6 @@
           </a:bodyPr>
           <a:lstStyle/>
           <a:p>
-            <a:pPr algn="just"/>
             <a:r>
               <a:rPr lang="en-US" sz="2130" b="0" cap="none" spc="0" dirty="0">
                 <a:ln w="0"/>
@@ -5127,40 +5013,7 @@
                   <a:schemeClr val="tx1"/>
                 </a:solidFill>
               </a:rPr>
-              <a:t>After registering with a new account a user can add a house to the system. Each house can have any number of rooms. After an Arduino has been set up in each room with the sensors needed, the mobile application scans the house for any new Arduinos. When the Arduino is found the user can assign a randomly generated bucket that corresponds to the room in the database.  </a:t>
-            </a:r>
-            <a:r>
-              <a:rPr lang="en-US" sz="2130" dirty="0">
-                <a:ln w="0"/>
-              </a:rPr>
-              <a:t>All Access to the database must go through the Tomcat Server.</a:t>
-            </a:r>
-          </a:p>
-          <a:p>
-            <a:endParaRPr lang="en-US" sz="2130" b="0" cap="none" spc="0" dirty="0">
-              <a:ln w="0"/>
-              <a:solidFill>
-                <a:schemeClr val="tx1"/>
-              </a:solidFill>
-            </a:endParaRPr>
-          </a:p>
-          <a:p>
-            <a:endParaRPr lang="en-US" sz="2130" b="0" cap="none" spc="0" dirty="0">
-              <a:ln w="0"/>
-              <a:solidFill>
-                <a:schemeClr val="tx1"/>
-              </a:solidFill>
-            </a:endParaRPr>
-          </a:p>
-          <a:p>
-            <a:r>
-              <a:rPr lang="en-US" sz="2130" b="0" cap="none" spc="0" dirty="0">
-                <a:ln w="0"/>
-                <a:solidFill>
-                  <a:schemeClr val="tx1"/>
-                </a:solidFill>
-              </a:rPr>
-              <a:t>The system works as follows:</a:t>
+              <a:t>How the system works:</a:t>
             </a:r>
           </a:p>
           <a:p>
@@ -5223,13 +5076,7 @@
               <a:rPr lang="en-US" sz="2100" dirty="0">
                 <a:ln w="0"/>
               </a:rPr>
-              <a:t> Application and Website can view </a:t>
-            </a:r>
-            <a:r>
-              <a:rPr lang="en-US" sz="2100">
-                <a:ln w="0"/>
-              </a:rPr>
-              <a:t>interactive graphs</a:t>
+              <a:t> Application and Website can view interactive graphs</a:t>
             </a:r>
             <a:endParaRPr lang="en-US" sz="2100" b="0" cap="none" spc="0" dirty="0">
               <a:ln w="0"/>
@@ -5279,36 +5126,6 @@
           </a:p>
         </p:txBody>
       </p:sp>
-      <p:pic>
-        <p:nvPicPr>
-          <p:cNvPr id="2066" name="Picture 2065">
-            <a:extLst>
-              <a:ext uri="{FF2B5EF4-FFF2-40B4-BE49-F238E27FC236}">
-                <a16:creationId xmlns:a16="http://schemas.microsoft.com/office/drawing/2014/main" id="{845AF43B-7849-40EE-8D48-77F2909B20DC}"/>
-              </a:ext>
-            </a:extLst>
-          </p:cNvPr>
-          <p:cNvPicPr>
-            <a:picLocks noChangeAspect="1"/>
-          </p:cNvPicPr>
-          <p:nvPr/>
-        </p:nvPicPr>
-        <p:blipFill>
-          <a:blip r:embed="rId13"/>
-          <a:stretch>
-            <a:fillRect/>
-          </a:stretch>
-        </p:blipFill>
-        <p:spPr>
-          <a:xfrm>
-            <a:off x="11036545" y="9652817"/>
-            <a:ext cx="4163285" cy="2796423"/>
-          </a:xfrm>
-          <a:prstGeom prst="rect">
-            <a:avLst/>
-          </a:prstGeom>
-        </p:spPr>
-      </p:pic>
       <p:sp>
         <p:nvSpPr>
           <p:cNvPr id="98" name="TextBox 97">
@@ -5323,7 +5140,7 @@
         </p:nvSpPr>
         <p:spPr>
           <a:xfrm>
-            <a:off x="16912113" y="9139064"/>
+            <a:off x="17012947" y="9139064"/>
             <a:ext cx="2627356" cy="419474"/>
           </a:xfrm>
           <a:prstGeom prst="rect">
@@ -5346,42 +5163,6 @@
           </a:p>
         </p:txBody>
       </p:sp>
-      <p:pic>
-        <p:nvPicPr>
-          <p:cNvPr id="2069" name="Picture 2068">
-            <a:extLst>
-              <a:ext uri="{FF2B5EF4-FFF2-40B4-BE49-F238E27FC236}">
-                <a16:creationId xmlns:a16="http://schemas.microsoft.com/office/drawing/2014/main" id="{999BF487-7AD8-41CB-8BD6-C1637E7C1587}"/>
-              </a:ext>
-            </a:extLst>
-          </p:cNvPr>
-          <p:cNvPicPr>
-            <a:picLocks noChangeAspect="1"/>
-          </p:cNvPicPr>
-          <p:nvPr/>
-        </p:nvPicPr>
-        <p:blipFill>
-          <a:blip r:embed="rId14" cstate="print">
-            <a:extLst>
-              <a:ext uri="{28A0092B-C50C-407E-A947-70E740481C1C}">
-                <a14:useLocalDpi xmlns:a14="http://schemas.microsoft.com/office/drawing/2010/main" val="0"/>
-              </a:ext>
-            </a:extLst>
-          </a:blip>
-          <a:stretch>
-            <a:fillRect/>
-          </a:stretch>
-        </p:blipFill>
-        <p:spPr>
-          <a:xfrm>
-            <a:off x="16957155" y="9652817"/>
-            <a:ext cx="1800460" cy="3200818"/>
-          </a:xfrm>
-          <a:prstGeom prst="rect">
-            <a:avLst/>
-          </a:prstGeom>
-        </p:spPr>
-      </p:pic>
       <p:sp>
         <p:nvSpPr>
           <p:cNvPr id="101" name="TextBox 100">
@@ -5434,7 +5215,7 @@
         </p:nvSpPr>
         <p:spPr>
           <a:xfrm>
-            <a:off x="12429652" y="9261927"/>
+            <a:off x="13529029" y="9143803"/>
             <a:ext cx="2627356" cy="419474"/>
           </a:xfrm>
           <a:prstGeom prst="rect">
@@ -5516,8 +5297,8 @@
         </p:nvSpPr>
         <p:spPr>
           <a:xfrm>
-            <a:off x="11036544" y="15039203"/>
-            <a:ext cx="8109121" cy="5636928"/>
+            <a:off x="11048301" y="15199582"/>
+            <a:ext cx="8109121" cy="3333220"/>
           </a:xfrm>
           <a:prstGeom prst="rect">
             <a:avLst/>
@@ -5624,32 +5405,23 @@
               <a:buFont typeface="Arial" panose="020B0604020202020204" pitchFamily="34" charset="0"/>
               <a:buChar char="•"/>
             </a:pPr>
-            <a:endParaRPr lang="en-IE" sz="2130" dirty="0">
-              <a:cs typeface="Times New Roman" pitchFamily="18" charset="0"/>
-            </a:endParaRPr>
-          </a:p>
-          <a:p>
-            <a:pPr algn="just"/>
-            <a:r>
-              <a:rPr lang="en-IE" sz="2130" dirty="0">
+            <a:r>
+              <a:rPr lang="en-IE" sz="2100" dirty="0">
                 <a:cs typeface="Times New Roman" pitchFamily="18" charset="0"/>
               </a:rPr>
-              <a:t>One of the biggest issues with security is the users own account. To help with this I implemented two factor authentication. The mobile application will be sent a new code each time the user tries to log in. This code must be entered on the website to grant the user access to the system.</a:t>
-            </a:r>
-          </a:p>
-          <a:p>
-            <a:pPr algn="just"/>
-            <a:endParaRPr lang="en-IE" sz="2130" dirty="0">
-              <a:cs typeface="Times New Roman" pitchFamily="18" charset="0"/>
-            </a:endParaRPr>
-          </a:p>
-          <a:p>
-            <a:pPr algn="just"/>
-            <a:r>
-              <a:rPr lang="en-IE" sz="2130" dirty="0">
+              <a:t>Two Factor Authentication</a:t>
+            </a:r>
+          </a:p>
+          <a:p>
+            <a:pPr marL="1081928" lvl="1" indent="-342900">
+              <a:buFont typeface="Arial" panose="020B0604020202020204" pitchFamily="34" charset="0"/>
+              <a:buChar char="•"/>
+            </a:pPr>
+            <a:r>
+              <a:rPr lang="en-IE" sz="2100" dirty="0">
                 <a:cs typeface="Times New Roman" pitchFamily="18" charset="0"/>
               </a:rPr>
-              <a:t>Two factor authentication is limited to 5 tries, the same as the login attempts.</a:t>
+              <a:t>Limited to 5 attempts</a:t>
             </a:r>
           </a:p>
         </p:txBody>
@@ -5668,8 +5440,8 @@
         </p:nvSpPr>
         <p:spPr>
           <a:xfrm>
-            <a:off x="870280" y="21473257"/>
-            <a:ext cx="19353539" cy="3315064"/>
+            <a:off x="944760" y="22803833"/>
+            <a:ext cx="19281905" cy="3177565"/>
           </a:xfrm>
           <a:prstGeom prst="rect">
             <a:avLst/>
@@ -5714,6 +5486,72 @@
             <a:extLst>
               <a:ext uri="{FF2B5EF4-FFF2-40B4-BE49-F238E27FC236}">
                 <a16:creationId xmlns:a16="http://schemas.microsoft.com/office/drawing/2014/main" id="{6B2B7C75-A183-45E2-AF80-16246BF7EAD6}"/>
+              </a:ext>
+            </a:extLst>
+          </p:cNvPr>
+          <p:cNvPicPr>
+            <a:picLocks noChangeAspect="1"/>
+          </p:cNvPicPr>
+          <p:nvPr/>
+        </p:nvPicPr>
+        <p:blipFill>
+          <a:blip r:embed="rId13" cstate="print">
+            <a:extLst>
+              <a:ext uri="{28A0092B-C50C-407E-A947-70E740481C1C}">
+                <a14:useLocalDpi xmlns:a14="http://schemas.microsoft.com/office/drawing/2010/main" val="0"/>
+              </a:ext>
+            </a:extLst>
+          </a:blip>
+          <a:stretch>
+            <a:fillRect/>
+          </a:stretch>
+        </p:blipFill>
+        <p:spPr>
+          <a:xfrm>
+            <a:off x="3216361" y="24093112"/>
+            <a:ext cx="1782490" cy="1188326"/>
+          </a:xfrm>
+          <a:prstGeom prst="rect">
+            <a:avLst/>
+          </a:prstGeom>
+        </p:spPr>
+      </p:pic>
+      <p:pic>
+        <p:nvPicPr>
+          <p:cNvPr id="2071" name="Picture 2070">
+            <a:extLst>
+              <a:ext uri="{FF2B5EF4-FFF2-40B4-BE49-F238E27FC236}">
+                <a16:creationId xmlns:a16="http://schemas.microsoft.com/office/drawing/2014/main" id="{A7667AD9-C3DB-47E4-A5A7-564EAA7D1137}"/>
+              </a:ext>
+            </a:extLst>
+          </p:cNvPr>
+          <p:cNvPicPr>
+            <a:picLocks noChangeAspect="1"/>
+          </p:cNvPicPr>
+          <p:nvPr/>
+        </p:nvPicPr>
+        <p:blipFill>
+          <a:blip r:embed="rId14"/>
+          <a:stretch>
+            <a:fillRect/>
+          </a:stretch>
+        </p:blipFill>
+        <p:spPr>
+          <a:xfrm>
+            <a:off x="15476696" y="23857737"/>
+            <a:ext cx="1325140" cy="1325140"/>
+          </a:xfrm>
+          <a:prstGeom prst="rect">
+            <a:avLst/>
+          </a:prstGeom>
+        </p:spPr>
+      </p:pic>
+      <p:pic>
+        <p:nvPicPr>
+          <p:cNvPr id="2074" name="Picture 2073">
+            <a:extLst>
+              <a:ext uri="{FF2B5EF4-FFF2-40B4-BE49-F238E27FC236}">
+                <a16:creationId xmlns:a16="http://schemas.microsoft.com/office/drawing/2014/main" id="{321B0E58-8BF7-4756-808F-75A291DD49AD}"/>
               </a:ext>
             </a:extLst>
           </p:cNvPr>
@@ -5736,8 +5574,8 @@
         </p:blipFill>
         <p:spPr>
           <a:xfrm>
-            <a:off x="3124213" y="23019444"/>
-            <a:ext cx="1765232" cy="1176821"/>
+            <a:off x="13714990" y="23895389"/>
+            <a:ext cx="1466917" cy="1466917"/>
           </a:xfrm>
           <a:prstGeom prst="rect">
             <a:avLst/>
@@ -5746,10 +5584,10 @@
       </p:pic>
       <p:pic>
         <p:nvPicPr>
-          <p:cNvPr id="2071" name="Picture 2070">
+          <p:cNvPr id="2076" name="Picture 2075">
             <a:extLst>
               <a:ext uri="{FF2B5EF4-FFF2-40B4-BE49-F238E27FC236}">
-                <a16:creationId xmlns:a16="http://schemas.microsoft.com/office/drawing/2014/main" id="{A7667AD9-C3DB-47E4-A5A7-564EAA7D1137}"/>
+                <a16:creationId xmlns:a16="http://schemas.microsoft.com/office/drawing/2014/main" id="{C31EC5FD-CC38-43AD-966C-FC35E854273B}"/>
               </a:ext>
             </a:extLst>
           </p:cNvPr>
@@ -5759,15 +5597,21 @@
           <p:nvPr/>
         </p:nvPicPr>
         <p:blipFill>
-          <a:blip r:embed="rId16"/>
+          <a:blip r:embed="rId16" cstate="print">
+            <a:extLst>
+              <a:ext uri="{28A0092B-C50C-407E-A947-70E740481C1C}">
+                <a14:useLocalDpi xmlns:a14="http://schemas.microsoft.com/office/drawing/2010/main" val="0"/>
+              </a:ext>
+            </a:extLst>
+          </a:blip>
           <a:stretch>
             <a:fillRect/>
           </a:stretch>
         </p:blipFill>
         <p:spPr>
           <a:xfrm>
-            <a:off x="15343109" y="22794068"/>
-            <a:ext cx="1312311" cy="1312311"/>
+            <a:off x="17096625" y="23815872"/>
+            <a:ext cx="1112047" cy="1304987"/>
           </a:xfrm>
           <a:prstGeom prst="rect">
             <a:avLst/>
@@ -5776,10 +5620,10 @@
       </p:pic>
       <p:pic>
         <p:nvPicPr>
-          <p:cNvPr id="2074" name="Picture 2073">
+          <p:cNvPr id="2078" name="Picture 2077">
             <a:extLst>
               <a:ext uri="{FF2B5EF4-FFF2-40B4-BE49-F238E27FC236}">
-                <a16:creationId xmlns:a16="http://schemas.microsoft.com/office/drawing/2014/main" id="{321B0E58-8BF7-4756-808F-75A291DD49AD}"/>
+                <a16:creationId xmlns:a16="http://schemas.microsoft.com/office/drawing/2014/main" id="{33ED4732-3A7D-4E64-A9E1-46DE244CD47E}"/>
               </a:ext>
             </a:extLst>
           </p:cNvPr>
@@ -5802,8 +5646,8 @@
         </p:blipFill>
         <p:spPr>
           <a:xfrm>
-            <a:off x="13518149" y="22786087"/>
-            <a:ext cx="1452715" cy="1452715"/>
+            <a:off x="6911519" y="24048149"/>
+            <a:ext cx="1878248" cy="1278252"/>
           </a:xfrm>
           <a:prstGeom prst="rect">
             <a:avLst/>
@@ -5812,10 +5656,10 @@
       </p:pic>
       <p:pic>
         <p:nvPicPr>
-          <p:cNvPr id="2076" name="Picture 2075">
+          <p:cNvPr id="67" name="Picture 66">
             <a:extLst>
               <a:ext uri="{FF2B5EF4-FFF2-40B4-BE49-F238E27FC236}">
-                <a16:creationId xmlns:a16="http://schemas.microsoft.com/office/drawing/2014/main" id="{C31EC5FD-CC38-43AD-966C-FC35E854273B}"/>
+                <a16:creationId xmlns:a16="http://schemas.microsoft.com/office/drawing/2014/main" id="{31FA059C-1947-4732-95B8-9EE850CED436}"/>
               </a:ext>
             </a:extLst>
           </p:cNvPr>
@@ -5838,8 +5682,8 @@
         </p:blipFill>
         <p:spPr>
           <a:xfrm>
-            <a:off x="17076475" y="22761242"/>
-            <a:ext cx="1101281" cy="1292353"/>
+            <a:off x="8989887" y="23908264"/>
+            <a:ext cx="1439113" cy="1439113"/>
           </a:xfrm>
           <a:prstGeom prst="rect">
             <a:avLst/>
@@ -5848,10 +5692,10 @@
       </p:pic>
       <p:pic>
         <p:nvPicPr>
-          <p:cNvPr id="2078" name="Picture 2077">
+          <p:cNvPr id="69" name="Picture 68">
             <a:extLst>
               <a:ext uri="{FF2B5EF4-FFF2-40B4-BE49-F238E27FC236}">
-                <a16:creationId xmlns:a16="http://schemas.microsoft.com/office/drawing/2014/main" id="{33ED4732-3A7D-4E64-A9E1-46DE244CD47E}"/>
+                <a16:creationId xmlns:a16="http://schemas.microsoft.com/office/drawing/2014/main" id="{67533506-CCB4-422E-B9F1-E97F44493B73}"/>
               </a:ext>
             </a:extLst>
           </p:cNvPr>
@@ -5874,8 +5718,8 @@
         </p:blipFill>
         <p:spPr>
           <a:xfrm>
-            <a:off x="6775843" y="22996058"/>
-            <a:ext cx="1860064" cy="1265877"/>
+            <a:off x="5113016" y="23914615"/>
+            <a:ext cx="1456983" cy="1503121"/>
           </a:xfrm>
           <a:prstGeom prst="rect">
             <a:avLst/>
@@ -5884,10 +5728,10 @@
       </p:pic>
       <p:pic>
         <p:nvPicPr>
-          <p:cNvPr id="67" name="Picture 66">
+          <p:cNvPr id="74" name="Picture 73">
             <a:extLst>
               <a:ext uri="{FF2B5EF4-FFF2-40B4-BE49-F238E27FC236}">
-                <a16:creationId xmlns:a16="http://schemas.microsoft.com/office/drawing/2014/main" id="{31FA059C-1947-4732-95B8-9EE850CED436}"/>
+                <a16:creationId xmlns:a16="http://schemas.microsoft.com/office/drawing/2014/main" id="{6211A700-C4D0-4112-861E-EBB1B95333DF}"/>
               </a:ext>
             </a:extLst>
           </p:cNvPr>
@@ -5897,7 +5741,7 @@
           <p:nvPr/>
         </p:nvPicPr>
         <p:blipFill>
-          <a:blip r:embed="rId20" cstate="print">
+          <a:blip r:embed="rId20">
             <a:extLst>
               <a:ext uri="{28A0092B-C50C-407E-A947-70E740481C1C}">
                 <a14:useLocalDpi xmlns:a14="http://schemas.microsoft.com/office/drawing/2010/main" val="0"/>
@@ -5910,20 +5754,64 @@
         </p:blipFill>
         <p:spPr>
           <a:xfrm>
-            <a:off x="8882308" y="22968388"/>
-            <a:ext cx="1425180" cy="1425180"/>
+            <a:off x="10538850" y="24068529"/>
+            <a:ext cx="2987436" cy="1184472"/>
           </a:xfrm>
           <a:prstGeom prst="rect">
             <a:avLst/>
           </a:prstGeom>
         </p:spPr>
       </p:pic>
+      <p:sp>
+        <p:nvSpPr>
+          <p:cNvPr id="122" name="TextBox 121">
+            <a:extLst>
+              <a:ext uri="{FF2B5EF4-FFF2-40B4-BE49-F238E27FC236}">
+                <a16:creationId xmlns:a16="http://schemas.microsoft.com/office/drawing/2014/main" id="{E17866F6-C7C3-471A-9567-55BB90D10D1E}"/>
+              </a:ext>
+            </a:extLst>
+          </p:cNvPr>
+          <p:cNvSpPr txBox="1"/>
+          <p:nvPr/>
+        </p:nvSpPr>
+        <p:spPr>
+          <a:xfrm>
+            <a:off x="1148851" y="22899422"/>
+            <a:ext cx="6126260" cy="652650"/>
+          </a:xfrm>
+          <a:prstGeom prst="rect">
+            <a:avLst/>
+          </a:prstGeom>
+          <a:noFill/>
+          <a:ln>
+            <a:noFill/>
+          </a:ln>
+        </p:spPr>
+        <p:txBody>
+          <a:bodyPr wrap="square" rtlCol="0">
+            <a:spAutoFit/>
+          </a:bodyPr>
+          <a:lstStyle/>
+          <a:p>
+            <a:r>
+              <a:rPr lang="en-IE" sz="3600" b="1" dirty="0">
+                <a:solidFill>
+                  <a:srgbClr val="D31245"/>
+                </a:solidFill>
+                <a:latin typeface="+mj-lt"/>
+                <a:cs typeface="Times New Roman" pitchFamily="18" charset="0"/>
+              </a:rPr>
+              <a:t>Technologies Used</a:t>
+            </a:r>
+          </a:p>
+        </p:txBody>
+      </p:sp>
       <p:pic>
         <p:nvPicPr>
-          <p:cNvPr id="69" name="Picture 68">
+          <p:cNvPr id="77" name="Picture 76">
             <a:extLst>
               <a:ext uri="{FF2B5EF4-FFF2-40B4-BE49-F238E27FC236}">
-                <a16:creationId xmlns:a16="http://schemas.microsoft.com/office/drawing/2014/main" id="{67533506-CCB4-422E-B9F1-E97F44493B73}"/>
+                <a16:creationId xmlns:a16="http://schemas.microsoft.com/office/drawing/2014/main" id="{04F4F2C7-0ADE-4139-918D-65055B61623C}"/>
               </a:ext>
             </a:extLst>
           </p:cNvPr>
@@ -5932,22 +5820,21 @@
           </p:cNvPicPr>
           <p:nvPr/>
         </p:nvPicPr>
-        <p:blipFill>
-          <a:blip r:embed="rId21" cstate="print">
+        <p:blipFill rotWithShape="1">
+          <a:blip r:embed="rId21">
             <a:extLst>
               <a:ext uri="{28A0092B-C50C-407E-A947-70E740481C1C}">
                 <a14:useLocalDpi xmlns:a14="http://schemas.microsoft.com/office/drawing/2010/main" val="0"/>
               </a:ext>
             </a:extLst>
           </a:blip>
-          <a:stretch>
-            <a:fillRect/>
-          </a:stretch>
+          <a:srcRect r="49009"/>
+          <a:stretch/>
         </p:blipFill>
         <p:spPr>
           <a:xfrm>
-            <a:off x="5092669" y="22846304"/>
-            <a:ext cx="1442878" cy="1488569"/>
+            <a:off x="18258979" y="23674993"/>
+            <a:ext cx="1908535" cy="1832045"/>
           </a:xfrm>
           <a:prstGeom prst="rect">
             <a:avLst/>
@@ -5956,10 +5843,10 @@
       </p:pic>
       <p:pic>
         <p:nvPicPr>
-          <p:cNvPr id="74" name="Picture 73">
+          <p:cNvPr id="79" name="Picture 78">
             <a:extLst>
               <a:ext uri="{FF2B5EF4-FFF2-40B4-BE49-F238E27FC236}">
-                <a16:creationId xmlns:a16="http://schemas.microsoft.com/office/drawing/2014/main" id="{6211A700-C4D0-4112-861E-EBB1B95333DF}"/>
+                <a16:creationId xmlns:a16="http://schemas.microsoft.com/office/drawing/2014/main" id="{18B79968-3B0B-4452-829D-AF28E7FCB43B}"/>
               </a:ext>
             </a:extLst>
           </p:cNvPr>
@@ -5982,64 +5869,20 @@
         </p:blipFill>
         <p:spPr>
           <a:xfrm>
-            <a:off x="10405193" y="22977250"/>
-            <a:ext cx="2958514" cy="1173005"/>
+            <a:off x="1156984" y="23706583"/>
+            <a:ext cx="1923623" cy="1923623"/>
           </a:xfrm>
           <a:prstGeom prst="rect">
             <a:avLst/>
           </a:prstGeom>
         </p:spPr>
       </p:pic>
-      <p:sp>
-        <p:nvSpPr>
-          <p:cNvPr id="122" name="TextBox 121">
+      <p:pic>
+        <p:nvPicPr>
+          <p:cNvPr id="81" name="Picture 80">
             <a:extLst>
               <a:ext uri="{FF2B5EF4-FFF2-40B4-BE49-F238E27FC236}">
-                <a16:creationId xmlns:a16="http://schemas.microsoft.com/office/drawing/2014/main" id="{E17866F6-C7C3-471A-9567-55BB90D10D1E}"/>
-              </a:ext>
-            </a:extLst>
-          </p:cNvPr>
-          <p:cNvSpPr txBox="1"/>
-          <p:nvPr/>
-        </p:nvSpPr>
-        <p:spPr>
-          <a:xfrm>
-            <a:off x="1287883" y="21638040"/>
-            <a:ext cx="6107071" cy="646331"/>
-          </a:xfrm>
-          <a:prstGeom prst="rect">
-            <a:avLst/>
-          </a:prstGeom>
-          <a:noFill/>
-          <a:ln>
-            <a:noFill/>
-          </a:ln>
-        </p:spPr>
-        <p:txBody>
-          <a:bodyPr wrap="square" rtlCol="0">
-            <a:spAutoFit/>
-          </a:bodyPr>
-          <a:lstStyle/>
-          <a:p>
-            <a:r>
-              <a:rPr lang="en-IE" sz="3600" b="1" dirty="0">
-                <a:solidFill>
-                  <a:srgbClr val="D31245"/>
-                </a:solidFill>
-                <a:latin typeface="+mj-lt"/>
-                <a:cs typeface="Times New Roman" pitchFamily="18" charset="0"/>
-              </a:rPr>
-              <a:t>Technologies Used</a:t>
-            </a:r>
-          </a:p>
-        </p:txBody>
-      </p:sp>
-      <p:pic>
-        <p:nvPicPr>
-          <p:cNvPr id="77" name="Picture 76">
-            <a:extLst>
-              <a:ext uri="{FF2B5EF4-FFF2-40B4-BE49-F238E27FC236}">
-                <a16:creationId xmlns:a16="http://schemas.microsoft.com/office/drawing/2014/main" id="{04F4F2C7-0ADE-4139-918D-65055B61623C}"/>
+                <a16:creationId xmlns:a16="http://schemas.microsoft.com/office/drawing/2014/main" id="{569BDD72-3F3E-4062-B8C9-55B84F63F8C5}"/>
               </a:ext>
             </a:extLst>
           </p:cNvPr>
@@ -6056,13 +5899,13 @@
               </a:ext>
             </a:extLst>
           </a:blip>
-          <a:srcRect r="49009"/>
+          <a:srcRect l="40396" t="8545" r="37553" b="71310"/>
           <a:stretch/>
         </p:blipFill>
         <p:spPr>
           <a:xfrm>
-            <a:off x="18238261" y="22618499"/>
-            <a:ext cx="1890057" cy="1814308"/>
+            <a:off x="17066447" y="629823"/>
+            <a:ext cx="2520356" cy="3070103"/>
           </a:xfrm>
           <a:prstGeom prst="rect">
             <a:avLst/>
@@ -6071,10 +5914,10 @@
       </p:pic>
       <p:pic>
         <p:nvPicPr>
-          <p:cNvPr id="79" name="Picture 78">
+          <p:cNvPr id="3" name="Picture 2">
             <a:extLst>
               <a:ext uri="{FF2B5EF4-FFF2-40B4-BE49-F238E27FC236}">
-                <a16:creationId xmlns:a16="http://schemas.microsoft.com/office/drawing/2014/main" id="{18B79968-3B0B-4452-829D-AF28E7FCB43B}"/>
+                <a16:creationId xmlns:a16="http://schemas.microsoft.com/office/drawing/2014/main" id="{B44F59EF-1DBD-476B-B2A5-E4ECB328A49D}"/>
               </a:ext>
             </a:extLst>
           </p:cNvPr>
@@ -6084,7 +5927,137 @@
           <p:nvPr/>
         </p:nvPicPr>
         <p:blipFill>
-          <a:blip r:embed="rId24">
+          <a:blip r:embed="rId24"/>
+          <a:stretch>
+            <a:fillRect/>
+          </a:stretch>
+        </p:blipFill>
+        <p:spPr>
+          <a:xfrm>
+            <a:off x="11048301" y="18874602"/>
+            <a:ext cx="6444794" cy="3096087"/>
+          </a:xfrm>
+          <a:prstGeom prst="rect">
+            <a:avLst/>
+          </a:prstGeom>
+        </p:spPr>
+      </p:pic>
+      <p:pic>
+        <p:nvPicPr>
+          <p:cNvPr id="6" name="Picture 5">
+            <a:extLst>
+              <a:ext uri="{FF2B5EF4-FFF2-40B4-BE49-F238E27FC236}">
+                <a16:creationId xmlns:a16="http://schemas.microsoft.com/office/drawing/2014/main" id="{A6448D86-C035-4FC9-AC0B-E647CEFFAD1D}"/>
+              </a:ext>
+            </a:extLst>
+          </p:cNvPr>
+          <p:cNvPicPr>
+            <a:picLocks noChangeAspect="1"/>
+          </p:cNvPicPr>
+          <p:nvPr/>
+        </p:nvPicPr>
+        <p:blipFill>
+          <a:blip r:embed="rId25"/>
+          <a:stretch>
+            <a:fillRect/>
+          </a:stretch>
+        </p:blipFill>
+        <p:spPr>
+          <a:xfrm>
+            <a:off x="17871228" y="18869945"/>
+            <a:ext cx="1744168" cy="3100744"/>
+          </a:xfrm>
+          <a:prstGeom prst="rect">
+            <a:avLst/>
+          </a:prstGeom>
+        </p:spPr>
+      </p:pic>
+      <p:sp>
+        <p:nvSpPr>
+          <p:cNvPr id="65" name="OverviewTitle">
+            <a:extLst>
+              <a:ext uri="{FF2B5EF4-FFF2-40B4-BE49-F238E27FC236}">
+                <a16:creationId xmlns:a16="http://schemas.microsoft.com/office/drawing/2014/main" id="{382627DC-CF56-4416-87C6-AC4B20160373}"/>
+              </a:ext>
+            </a:extLst>
+          </p:cNvPr>
+          <p:cNvSpPr txBox="1"/>
+          <p:nvPr/>
+        </p:nvSpPr>
+        <p:spPr>
+          <a:xfrm>
+            <a:off x="2764460" y="16209682"/>
+            <a:ext cx="5823856" cy="646331"/>
+          </a:xfrm>
+          <a:prstGeom prst="rect">
+            <a:avLst/>
+          </a:prstGeom>
+          <a:noFill/>
+        </p:spPr>
+        <p:txBody>
+          <a:bodyPr wrap="square" rtlCol="0">
+            <a:spAutoFit/>
+          </a:bodyPr>
+          <a:lstStyle/>
+          <a:p>
+            <a:pPr algn="ctr"/>
+            <a:r>
+              <a:rPr lang="en-IE" sz="3600" b="1" dirty="0">
+                <a:solidFill>
+                  <a:srgbClr val="D31245"/>
+                </a:solidFill>
+              </a:rPr>
+              <a:t>Interactive Graphs</a:t>
+            </a:r>
+          </a:p>
+        </p:txBody>
+      </p:sp>
+      <p:pic>
+        <p:nvPicPr>
+          <p:cNvPr id="12" name="Picture 11">
+            <a:extLst>
+              <a:ext uri="{FF2B5EF4-FFF2-40B4-BE49-F238E27FC236}">
+                <a16:creationId xmlns:a16="http://schemas.microsoft.com/office/drawing/2014/main" id="{3F4E9474-778C-4393-84AC-0A22FFC1AE60}"/>
+              </a:ext>
+            </a:extLst>
+          </p:cNvPr>
+          <p:cNvPicPr>
+            <a:picLocks noChangeAspect="1"/>
+          </p:cNvPicPr>
+          <p:nvPr/>
+        </p:nvPicPr>
+        <p:blipFill>
+          <a:blip r:embed="rId26"/>
+          <a:stretch>
+            <a:fillRect/>
+          </a:stretch>
+        </p:blipFill>
+        <p:spPr>
+          <a:xfrm>
+            <a:off x="11102274" y="9746344"/>
+            <a:ext cx="5867505" cy="2851344"/>
+          </a:xfrm>
+          <a:prstGeom prst="rect">
+            <a:avLst/>
+          </a:prstGeom>
+        </p:spPr>
+      </p:pic>
+      <p:pic>
+        <p:nvPicPr>
+          <p:cNvPr id="16" name="Picture 15">
+            <a:extLst>
+              <a:ext uri="{FF2B5EF4-FFF2-40B4-BE49-F238E27FC236}">
+                <a16:creationId xmlns:a16="http://schemas.microsoft.com/office/drawing/2014/main" id="{D4C1AEED-7CD2-43EF-A0DB-4863B93F174A}"/>
+              </a:ext>
+            </a:extLst>
+          </p:cNvPr>
+          <p:cNvPicPr>
+            <a:picLocks noChangeAspect="1"/>
+          </p:cNvPicPr>
+          <p:nvPr/>
+        </p:nvPicPr>
+        <p:blipFill>
+          <a:blip r:embed="rId27" cstate="print">
             <a:extLst>
               <a:ext uri="{28A0092B-C50C-407E-A947-70E740481C1C}">
                 <a14:useLocalDpi xmlns:a14="http://schemas.microsoft.com/office/drawing/2010/main" val="0"/>
@@ -6097,8 +6070,8 @@
         </p:blipFill>
         <p:spPr>
           <a:xfrm>
-            <a:off x="1130191" y="22604231"/>
-            <a:ext cx="1905000" cy="1905000"/>
+            <a:off x="17394841" y="9744770"/>
+            <a:ext cx="1590313" cy="2827224"/>
           </a:xfrm>
           <a:prstGeom prst="rect">
             <a:avLst/>
@@ -6107,10 +6080,10 @@
       </p:pic>
       <p:pic>
         <p:nvPicPr>
-          <p:cNvPr id="81" name="Picture 80">
+          <p:cNvPr id="17" name="Picture 16">
             <a:extLst>
               <a:ext uri="{FF2B5EF4-FFF2-40B4-BE49-F238E27FC236}">
-                <a16:creationId xmlns:a16="http://schemas.microsoft.com/office/drawing/2014/main" id="{569BDD72-3F3E-4062-B8C9-55B84F63F8C5}"/>
+                <a16:creationId xmlns:a16="http://schemas.microsoft.com/office/drawing/2014/main" id="{3BA7B90E-8746-473B-A517-E69BB8FFB9EB}"/>
               </a:ext>
             </a:extLst>
           </p:cNvPr>
@@ -6119,27 +6092,74 @@
           </p:cNvPicPr>
           <p:nvPr/>
         </p:nvPicPr>
-        <p:blipFill rotWithShape="1">
-          <a:blip r:embed="rId25">
-            <a:extLst>
-              <a:ext uri="{28A0092B-C50C-407E-A947-70E740481C1C}">
-                <a14:useLocalDpi xmlns:a14="http://schemas.microsoft.com/office/drawing/2010/main" val="0"/>
-              </a:ext>
-            </a:extLst>
-          </a:blip>
-          <a:srcRect l="40396" t="8545" r="37553" b="71310"/>
-          <a:stretch/>
+        <p:blipFill>
+          <a:blip r:embed="rId28"/>
+          <a:stretch>
+            <a:fillRect/>
+          </a:stretch>
         </p:blipFill>
         <p:spPr>
           <a:xfrm>
-            <a:off x="17066447" y="629823"/>
-            <a:ext cx="2520356" cy="3070103"/>
+            <a:off x="1642296" y="16950053"/>
+            <a:ext cx="8013344" cy="3948363"/>
           </a:xfrm>
           <a:prstGeom prst="rect">
             <a:avLst/>
           </a:prstGeom>
         </p:spPr>
       </p:pic>
+      <p:sp>
+        <p:nvSpPr>
+          <p:cNvPr id="73" name="Rectangle 72">
+            <a:extLst>
+              <a:ext uri="{FF2B5EF4-FFF2-40B4-BE49-F238E27FC236}">
+                <a16:creationId xmlns:a16="http://schemas.microsoft.com/office/drawing/2014/main" id="{6AA7E3ED-A9BB-4EBE-9731-6FD3B8C609B5}"/>
+              </a:ext>
+            </a:extLst>
+          </p:cNvPr>
+          <p:cNvSpPr/>
+          <p:nvPr/>
+        </p:nvSpPr>
+        <p:spPr>
+          <a:xfrm>
+            <a:off x="1179558" y="21029692"/>
+            <a:ext cx="8876379" cy="1075679"/>
+          </a:xfrm>
+          <a:prstGeom prst="rect">
+            <a:avLst/>
+          </a:prstGeom>
+          <a:noFill/>
+        </p:spPr>
+        <p:txBody>
+          <a:bodyPr wrap="square" lIns="91440" tIns="45720" rIns="91440" bIns="45720">
+            <a:spAutoFit/>
+          </a:bodyPr>
+          <a:lstStyle/>
+          <a:p>
+            <a:r>
+              <a:rPr lang="en-US" sz="2130" b="0" cap="none" spc="0" dirty="0">
+                <a:ln w="0"/>
+                <a:solidFill>
+                  <a:schemeClr val="tx1"/>
+                </a:solidFill>
+              </a:rPr>
+              <a:t>By </a:t>
+            </a:r>
+            <a:r>
+              <a:rPr lang="en-US" sz="2130" dirty="0">
+                <a:ln w="0"/>
+              </a:rPr>
+              <a:t>incorporating an interactive graph, the user can see all the details of the system has collected. The user can recognize patterns in their usage and correct them.</a:t>
+            </a:r>
+            <a:endParaRPr lang="en-US" sz="2100" b="0" cap="none" spc="0" dirty="0">
+              <a:ln w="0"/>
+              <a:solidFill>
+                <a:schemeClr val="tx1"/>
+              </a:solidFill>
+            </a:endParaRPr>
+          </a:p>
+        </p:txBody>
+      </p:sp>
     </p:spTree>
   </p:cSld>
   <p:clrMapOvr>

--- a/Poster/Poster.pptx
+++ b/Poster/Poster.pptx
@@ -220,7 +220,7 @@
             <a:fld id="{B10DFA1A-A6DC-49FE-AC90-AF8DDE39D246}" type="datetimeFigureOut">
               <a:rPr lang="en-IE" smtClean="0"/>
               <a:pPr/>
-              <a:t>27/04/2018</a:t>
+              <a:t>28/04/2018</a:t>
             </a:fld>
             <a:endParaRPr lang="en-IE" dirty="0"/>
           </a:p>
@@ -765,7 +765,7 @@
             <a:fld id="{B0453847-E237-403E-9063-D190CF7239DC}" type="datetimeFigureOut">
               <a:rPr lang="en-IE" smtClean="0"/>
               <a:pPr/>
-              <a:t>27/04/2018</a:t>
+              <a:t>28/04/2018</a:t>
             </a:fld>
             <a:endParaRPr lang="en-IE" dirty="0"/>
           </a:p>
@@ -932,7 +932,7 @@
             <a:fld id="{B0453847-E237-403E-9063-D190CF7239DC}" type="datetimeFigureOut">
               <a:rPr lang="en-IE" smtClean="0"/>
               <a:pPr/>
-              <a:t>27/04/2018</a:t>
+              <a:t>28/04/2018</a:t>
             </a:fld>
             <a:endParaRPr lang="en-IE" dirty="0"/>
           </a:p>
@@ -1109,7 +1109,7 @@
             <a:fld id="{B0453847-E237-403E-9063-D190CF7239DC}" type="datetimeFigureOut">
               <a:rPr lang="en-IE" smtClean="0"/>
               <a:pPr/>
-              <a:t>27/04/2018</a:t>
+              <a:t>28/04/2018</a:t>
             </a:fld>
             <a:endParaRPr lang="en-IE" dirty="0"/>
           </a:p>
@@ -1276,7 +1276,7 @@
             <a:fld id="{B0453847-E237-403E-9063-D190CF7239DC}" type="datetimeFigureOut">
               <a:rPr lang="en-IE" smtClean="0"/>
               <a:pPr/>
-              <a:t>27/04/2018</a:t>
+              <a:t>28/04/2018</a:t>
             </a:fld>
             <a:endParaRPr lang="en-IE" dirty="0"/>
           </a:p>
@@ -1519,7 +1519,7 @@
             <a:fld id="{B0453847-E237-403E-9063-D190CF7239DC}" type="datetimeFigureOut">
               <a:rPr lang="en-IE" smtClean="0"/>
               <a:pPr/>
-              <a:t>27/04/2018</a:t>
+              <a:t>28/04/2018</a:t>
             </a:fld>
             <a:endParaRPr lang="en-IE" dirty="0"/>
           </a:p>
@@ -1804,7 +1804,7 @@
             <a:fld id="{B0453847-E237-403E-9063-D190CF7239DC}" type="datetimeFigureOut">
               <a:rPr lang="en-IE" smtClean="0"/>
               <a:pPr/>
-              <a:t>27/04/2018</a:t>
+              <a:t>28/04/2018</a:t>
             </a:fld>
             <a:endParaRPr lang="en-IE" dirty="0"/>
           </a:p>
@@ -2223,7 +2223,7 @@
             <a:fld id="{B0453847-E237-403E-9063-D190CF7239DC}" type="datetimeFigureOut">
               <a:rPr lang="en-IE" smtClean="0"/>
               <a:pPr/>
-              <a:t>27/04/2018</a:t>
+              <a:t>28/04/2018</a:t>
             </a:fld>
             <a:endParaRPr lang="en-IE" dirty="0"/>
           </a:p>
@@ -2338,7 +2338,7 @@
             <a:fld id="{B0453847-E237-403E-9063-D190CF7239DC}" type="datetimeFigureOut">
               <a:rPr lang="en-IE" smtClean="0"/>
               <a:pPr/>
-              <a:t>27/04/2018</a:t>
+              <a:t>28/04/2018</a:t>
             </a:fld>
             <a:endParaRPr lang="en-IE" dirty="0"/>
           </a:p>
@@ -2430,7 +2430,7 @@
             <a:fld id="{B0453847-E237-403E-9063-D190CF7239DC}" type="datetimeFigureOut">
               <a:rPr lang="en-IE" smtClean="0"/>
               <a:pPr/>
-              <a:t>27/04/2018</a:t>
+              <a:t>28/04/2018</a:t>
             </a:fld>
             <a:endParaRPr lang="en-IE" dirty="0"/>
           </a:p>
@@ -2704,7 +2704,7 @@
             <a:fld id="{B0453847-E237-403E-9063-D190CF7239DC}" type="datetimeFigureOut">
               <a:rPr lang="en-IE" smtClean="0"/>
               <a:pPr/>
-              <a:t>27/04/2018</a:t>
+              <a:t>28/04/2018</a:t>
             </a:fld>
             <a:endParaRPr lang="en-IE" dirty="0"/>
           </a:p>
@@ -2954,7 +2954,7 @@
             <a:fld id="{B0453847-E237-403E-9063-D190CF7239DC}" type="datetimeFigureOut">
               <a:rPr lang="en-IE" smtClean="0"/>
               <a:pPr/>
-              <a:t>27/04/2018</a:t>
+              <a:t>28/04/2018</a:t>
             </a:fld>
             <a:endParaRPr lang="en-IE" dirty="0"/>
           </a:p>
@@ -3164,7 +3164,7 @@
             <a:fld id="{B0453847-E237-403E-9063-D190CF7239DC}" type="datetimeFigureOut">
               <a:rPr lang="en-IE" smtClean="0"/>
               <a:pPr/>
-              <a:t>27/04/2018</a:t>
+              <a:t>28/04/2018</a:t>
             </a:fld>
             <a:endParaRPr lang="en-IE" dirty="0"/>
           </a:p>
@@ -3543,8 +3543,8 @@
         </p:nvSpPr>
         <p:spPr>
           <a:xfrm>
-            <a:off x="944760" y="8078129"/>
-            <a:ext cx="9463257" cy="14210804"/>
+            <a:off x="863673" y="8047707"/>
+            <a:ext cx="9550800" cy="14258817"/>
           </a:xfrm>
           <a:prstGeom prst="rect">
             <a:avLst/>
@@ -3767,8 +3767,8 @@
         </p:blipFill>
         <p:spPr>
           <a:xfrm>
-            <a:off x="944761" y="841037"/>
-            <a:ext cx="4027511" cy="2333511"/>
+            <a:off x="1218571" y="664706"/>
+            <a:ext cx="3703121" cy="2145562"/>
           </a:xfrm>
           <a:prstGeom prst="rect">
             <a:avLst/>
@@ -3886,8 +3886,8 @@
         </p:nvSpPr>
         <p:spPr>
           <a:xfrm>
-            <a:off x="10677212" y="8078129"/>
-            <a:ext cx="9549452" cy="14210804"/>
+            <a:off x="10677213" y="8046686"/>
+            <a:ext cx="9549452" cy="14259600"/>
           </a:xfrm>
           <a:prstGeom prst="rect">
             <a:avLst/>
@@ -4013,10 +4013,10 @@
         </p:nvGrpSpPr>
         <p:grpSpPr>
           <a:xfrm>
-            <a:off x="991157" y="28257125"/>
-            <a:ext cx="19235507" cy="1692364"/>
-            <a:chOff x="18267527" y="39129470"/>
-            <a:chExt cx="10009115" cy="3776520"/>
+            <a:off x="1407217" y="27982599"/>
+            <a:ext cx="18483666" cy="1532508"/>
+            <a:chOff x="18750070" y="38571900"/>
+            <a:chExt cx="8891753" cy="3419799"/>
           </a:xfrm>
         </p:grpSpPr>
         <p:sp>
@@ -4027,8 +4027,8 @@
           </p:nvSpPr>
           <p:spPr>
             <a:xfrm>
-              <a:off x="18444541" y="39129470"/>
-              <a:ext cx="6696749" cy="1015333"/>
+              <a:off x="18750070" y="38571900"/>
+              <a:ext cx="6431369" cy="1442291"/>
             </a:xfrm>
             <a:prstGeom prst="rect">
               <a:avLst/>
@@ -4066,8 +4066,8 @@
           </p:nvSpPr>
           <p:spPr>
             <a:xfrm>
-              <a:off x="18267527" y="40674290"/>
-              <a:ext cx="10009115" cy="2231700"/>
+              <a:off x="18750070" y="39773320"/>
+              <a:ext cx="8891753" cy="2218379"/>
             </a:xfrm>
             <a:prstGeom prst="rect">
               <a:avLst/>
@@ -4082,22 +4082,22 @@
             <a:p>
               <a:pPr algn="just"/>
               <a:r>
-                <a:rPr lang="en-IE" sz="2800" dirty="0">
+                <a:rPr lang="en-IE" sz="2930" dirty="0">
                   <a:cs typeface="Times New Roman" pitchFamily="18" charset="0"/>
                 </a:rPr>
                 <a:t>I would like to thank Ignacio </a:t>
               </a:r>
               <a:r>
-                <a:rPr lang="en-IE" sz="2800" dirty="0" err="1">
+                <a:rPr lang="en-IE" sz="2930" dirty="0" err="1">
                   <a:cs typeface="Times New Roman" pitchFamily="18" charset="0"/>
                 </a:rPr>
                 <a:t>Castineiras</a:t>
               </a:r>
               <a:r>
-                <a:rPr lang="en-IE" sz="2800" dirty="0">
+                <a:rPr lang="en-IE" sz="2930" dirty="0">
                   <a:cs typeface="Times New Roman" pitchFamily="18" charset="0"/>
                 </a:rPr>
-                <a:t> and Diarmuid Grimes for all the help and guidance they provided me throughout the project, and of course my own genius for being a genius.</a:t>
+                <a:t> and Diarmuid Grimes for all the help and guidance they provided me throughout the project.</a:t>
               </a:r>
             </a:p>
           </p:txBody>
@@ -4111,10 +4111,10 @@
         </p:nvGrpSpPr>
         <p:grpSpPr>
           <a:xfrm>
-            <a:off x="944761" y="26374250"/>
-            <a:ext cx="19281903" cy="1571521"/>
+            <a:off x="868409" y="25435672"/>
+            <a:ext cx="19358255" cy="2277348"/>
             <a:chOff x="1228093" y="37264295"/>
-            <a:chExt cx="29424209" cy="2567138"/>
+            <a:chExt cx="29409787" cy="2567138"/>
           </a:xfrm>
           <a:solidFill>
             <a:srgbClr val="00438B"/>
@@ -4172,8 +4172,8 @@
           </p:nvSpPr>
           <p:spPr>
             <a:xfrm>
-              <a:off x="1298893" y="38175077"/>
-              <a:ext cx="29353409" cy="1558569"/>
+              <a:off x="1914004" y="38175077"/>
+              <a:ext cx="28254162" cy="1120618"/>
             </a:xfrm>
             <a:prstGeom prst="rect">
               <a:avLst/>
@@ -4196,13 +4196,13 @@
                 <a:buSzPct val="150000"/>
               </a:pPr>
               <a:r>
-                <a:rPr lang="en-IE" sz="2800" dirty="0">
+                <a:rPr lang="en-IE" sz="2930" dirty="0">
                   <a:solidFill>
                     <a:schemeClr val="bg1"/>
                   </a:solidFill>
                   <a:cs typeface="Times New Roman" pitchFamily="18" charset="0"/>
                 </a:rPr>
-                <a:t>The system would allow users to see how their house is performing when it comes to efficiency and they would be aware of any problems as it develops. This means they could keep their maintenance quality high and cost low.</a:t>
+                <a:t>The system would allow users to see how their house is performing when it comes to efficiency and would be aware of any problems as they develop. This means they could keep their maintenance quality high and cost low.</a:t>
               </a:r>
             </a:p>
           </p:txBody>
@@ -4215,8 +4215,8 @@
           </p:nvSpPr>
           <p:spPr>
             <a:xfrm>
-              <a:off x="1607782" y="37425252"/>
-              <a:ext cx="9212186" cy="880829"/>
+              <a:off x="1933803" y="37568174"/>
+              <a:ext cx="8886165" cy="1055806"/>
             </a:xfrm>
             <a:prstGeom prst="rect">
               <a:avLst/>
@@ -4342,7 +4342,7 @@
                   <a:schemeClr val="bg1"/>
                 </a:solidFill>
               </a:rPr>
-              <a:t>As fuel prices continue to increase in the future, using energy efficiently will become more important to a home owner. The proposed system will monitor a home with various sensors and store the results in a database. This will then be displayed back to the account owner with a interactive chart. The home owner can then adjust their habits to try to and reduce energy wastage.</a:t>
+              <a:t>As fuel prices continue to increase in the future, using energy efficiently will become more important to a home owner. The proposed system will monitor a home with various sensors and store the results in a database. This will then be displayed back to the account owner with a interactive chart. The home owner can then adjust their habits to increase their homes efficiency and reduce excess usage.</a:t>
             </a:r>
           </a:p>
         </p:txBody>
@@ -5076,7 +5076,7 @@
               <a:rPr lang="en-US" sz="2100" dirty="0">
                 <a:ln w="0"/>
               </a:rPr>
-              <a:t> Application and Website can view interactive graphs</a:t>
+              <a:t> Application and Website can view interactive charts</a:t>
             </a:r>
             <a:endParaRPr lang="en-US" sz="2100" b="0" cap="none" spc="0" dirty="0">
               <a:ln w="0"/>
@@ -5297,7 +5297,7 @@
         </p:nvSpPr>
         <p:spPr>
           <a:xfrm>
-            <a:off x="11048301" y="15199582"/>
+            <a:off x="11102274" y="18429746"/>
             <a:ext cx="8109121" cy="3333220"/>
           </a:xfrm>
           <a:prstGeom prst="rect">
@@ -5440,8 +5440,8 @@
         </p:nvSpPr>
         <p:spPr>
           <a:xfrm>
-            <a:off x="944760" y="22803833"/>
-            <a:ext cx="19281905" cy="3177565"/>
+            <a:off x="863694" y="22607352"/>
+            <a:ext cx="19362971" cy="2513538"/>
           </a:xfrm>
           <a:prstGeom prst="rect">
             <a:avLst/>
@@ -5508,7 +5508,7 @@
         </p:blipFill>
         <p:spPr>
           <a:xfrm>
-            <a:off x="3216361" y="24093112"/>
+            <a:off x="3126466" y="23536171"/>
             <a:ext cx="1782490" cy="1188326"/>
           </a:xfrm>
           <a:prstGeom prst="rect">
@@ -5538,7 +5538,7 @@
         </p:blipFill>
         <p:spPr>
           <a:xfrm>
-            <a:off x="15476696" y="23857737"/>
+            <a:off x="15381766" y="23427344"/>
             <a:ext cx="1325140" cy="1325140"/>
           </a:xfrm>
           <a:prstGeom prst="rect">
@@ -5574,7 +5574,7 @@
         </p:blipFill>
         <p:spPr>
           <a:xfrm>
-            <a:off x="13714990" y="23895389"/>
+            <a:off x="13625095" y="23338448"/>
             <a:ext cx="1466917" cy="1466917"/>
           </a:xfrm>
           <a:prstGeom prst="rect">
@@ -5610,7 +5610,7 @@
         </p:blipFill>
         <p:spPr>
           <a:xfrm>
-            <a:off x="17096625" y="23815872"/>
+            <a:off x="16972825" y="23447497"/>
             <a:ext cx="1112047" cy="1304987"/>
           </a:xfrm>
           <a:prstGeom prst="rect">
@@ -5646,7 +5646,7 @@
         </p:blipFill>
         <p:spPr>
           <a:xfrm>
-            <a:off x="6911519" y="24048149"/>
+            <a:off x="6821624" y="23491208"/>
             <a:ext cx="1878248" cy="1278252"/>
           </a:xfrm>
           <a:prstGeom prst="rect">
@@ -5682,7 +5682,7 @@
         </p:blipFill>
         <p:spPr>
           <a:xfrm>
-            <a:off x="8989887" y="23908264"/>
+            <a:off x="8899992" y="23351323"/>
             <a:ext cx="1439113" cy="1439113"/>
           </a:xfrm>
           <a:prstGeom prst="rect">
@@ -5718,7 +5718,7 @@
         </p:blipFill>
         <p:spPr>
           <a:xfrm>
-            <a:off x="5113016" y="23914615"/>
+            <a:off x="5023121" y="23357674"/>
             <a:ext cx="1456983" cy="1503121"/>
           </a:xfrm>
           <a:prstGeom prst="rect">
@@ -5754,7 +5754,7 @@
         </p:blipFill>
         <p:spPr>
           <a:xfrm>
-            <a:off x="10538850" y="24068529"/>
+            <a:off x="10488382" y="23514992"/>
             <a:ext cx="2987436" cy="1184472"/>
           </a:xfrm>
           <a:prstGeom prst="rect">
@@ -5776,7 +5776,7 @@
         </p:nvSpPr>
         <p:spPr>
           <a:xfrm>
-            <a:off x="1148851" y="22899422"/>
+            <a:off x="1250277" y="22710509"/>
             <a:ext cx="6126260" cy="652650"/>
           </a:xfrm>
           <a:prstGeom prst="rect">
@@ -5833,7 +5833,7 @@
         </p:blipFill>
         <p:spPr>
           <a:xfrm>
-            <a:off x="18258979" y="23674993"/>
+            <a:off x="18184778" y="23245721"/>
             <a:ext cx="1908535" cy="1832045"/>
           </a:xfrm>
           <a:prstGeom prst="rect">
@@ -5869,7 +5869,7 @@
         </p:blipFill>
         <p:spPr>
           <a:xfrm>
-            <a:off x="1156984" y="23706583"/>
+            <a:off x="1067089" y="23149642"/>
             <a:ext cx="1923623" cy="1923623"/>
           </a:xfrm>
           <a:prstGeom prst="rect">
@@ -5934,7 +5934,7 @@
         </p:blipFill>
         <p:spPr>
           <a:xfrm>
-            <a:off x="11048301" y="18874602"/>
+            <a:off x="11136156" y="15115846"/>
             <a:ext cx="6444794" cy="3096087"/>
           </a:xfrm>
           <a:prstGeom prst="rect">
@@ -5964,7 +5964,7 @@
         </p:blipFill>
         <p:spPr>
           <a:xfrm>
-            <a:off x="17871228" y="18869945"/>
+            <a:off x="17894247" y="15115846"/>
             <a:ext cx="1744168" cy="3100744"/>
           </a:xfrm>
           <a:prstGeom prst="rect">
@@ -6007,7 +6007,7 @@
                   <a:srgbClr val="D31245"/>
                 </a:solidFill>
               </a:rPr>
-              <a:t>Interactive Graphs</a:t>
+              <a:t>Interactive Charts</a:t>
             </a:r>
           </a:p>
         </p:txBody>
@@ -6149,7 +6149,7 @@
               <a:rPr lang="en-US" sz="2130" dirty="0">
                 <a:ln w="0"/>
               </a:rPr>
-              <a:t>incorporating an interactive graph, the user can see all the details of the system has collected. The user can recognize patterns in their usage and correct them.</a:t>
+              <a:t>incorporating an interactive chart, the user can see all the details that the system has collected. The user can recognize patterns in their usage and correct them, if necessary.</a:t>
             </a:r>
             <a:endParaRPr lang="en-US" sz="2100" b="0" cap="none" spc="0" dirty="0">
               <a:ln w="0"/>
